--- a/MEMOIRE DE FIN DU CYCLE.pptx
+++ b/MEMOIRE DE FIN DU CYCLE.pptx
@@ -5,10 +5,10 @@
     <p:sldMasterId id="2147483648" r:id="rId1"/>
   </p:sldMasterIdLst>
   <p:notesMasterIdLst>
-    <p:notesMasterId r:id="rId17"/>
+    <p:notesMasterId r:id="rId16"/>
   </p:notesMasterIdLst>
   <p:handoutMasterIdLst>
-    <p:handoutMasterId r:id="rId18"/>
+    <p:handoutMasterId r:id="rId17"/>
   </p:handoutMasterIdLst>
   <p:sldIdLst>
     <p:sldId id="256" r:id="rId3"/>
@@ -20,11 +20,10 @@
     <p:sldId id="262" r:id="rId9"/>
     <p:sldId id="263" r:id="rId10"/>
     <p:sldId id="264" r:id="rId11"/>
-    <p:sldId id="265" r:id="rId12"/>
-    <p:sldId id="266" r:id="rId13"/>
-    <p:sldId id="267" r:id="rId14"/>
-    <p:sldId id="268" r:id="rId15"/>
-    <p:sldId id="269" r:id="rId16"/>
+    <p:sldId id="266" r:id="rId12"/>
+    <p:sldId id="267" r:id="rId13"/>
+    <p:sldId id="268" r:id="rId14"/>
+    <p:sldId id="269" r:id="rId15"/>
   </p:sldIdLst>
   <p:sldSz cx="12192000" cy="6858000"/>
   <p:notesSz cx="7103745" cy="10234295"/>
@@ -4473,28 +4472,24 @@
             <p:ph type="title"/>
           </p:nvPr>
         </p:nvSpPr>
-        <p:spPr>
-          <a:xfrm>
-            <a:off x="609600" y="190500"/>
-            <a:ext cx="10972800" cy="983615"/>
-          </a:xfrm>
-        </p:spPr>
+        <p:spPr/>
         <p:txBody>
           <a:bodyPr/>
           <a:p>
             <a:pPr algn="ctr"/>
             <a:r>
-              <a:rPr lang="fr-FR" altLang="en-US" b="1"/>
-              <a:t>ANALYSE ET CONCEPTION</a:t>
-            </a:r>
-            <a:br>
-              <a:rPr lang="fr-FR" altLang="en-US" b="1"/>
-            </a:br>
-            <a:r>
-              <a:rPr lang="fr-FR" altLang="en-US" sz="2400" b="1"/>
-              <a:t>Diagramme de classe globale</a:t>
-            </a:r>
-            <a:endParaRPr lang="fr-FR" altLang="en-US" sz="2400" b="1"/>
+              <a:rPr lang="fr-FR" altLang="en-US">
+                <a:solidFill>
+                  <a:schemeClr val="tx1"/>
+                </a:solidFill>
+              </a:rPr>
+              <a:t>REALISATION DU PROJET</a:t>
+            </a:r>
+            <a:endParaRPr lang="fr-FR" altLang="en-US">
+              <a:solidFill>
+                <a:schemeClr val="tx1"/>
+              </a:solidFill>
+            </a:endParaRPr>
           </a:p>
         </p:txBody>
       </p:sp>
@@ -4508,22 +4503,183 @@
             <p:ph idx="1"/>
           </p:nvPr>
         </p:nvSpPr>
+        <p:spPr/>
+        <p:txBody>
+          <a:bodyPr/>
+          <a:p>
+            <a:pPr marL="0" indent="0">
+              <a:buNone/>
+            </a:pPr>
+            <a:r>
+              <a:rPr lang="fr-FR" altLang="en-US" sz="2400">
+                <a:latin typeface="Times New Roman" panose="02020603050405020304" charset="0"/>
+                <a:cs typeface="Times New Roman" panose="02020603050405020304" charset="0"/>
+              </a:rPr>
+              <a:t>Framework utilisé:</a:t>
+            </a:r>
+            <a:endParaRPr lang="fr-FR" altLang="en-US" sz="2400">
+              <a:latin typeface="Times New Roman" panose="02020603050405020304" charset="0"/>
+              <a:cs typeface="Times New Roman" panose="02020603050405020304" charset="0"/>
+            </a:endParaRPr>
+          </a:p>
+          <a:p>
+            <a:pPr marL="0" indent="0">
+              <a:buNone/>
+            </a:pPr>
+            <a:endParaRPr lang="fr-FR" altLang="en-US" sz="2400">
+              <a:latin typeface="Times New Roman" panose="02020603050405020304" charset="0"/>
+              <a:cs typeface="Times New Roman" panose="02020603050405020304" charset="0"/>
+            </a:endParaRPr>
+          </a:p>
+          <a:p>
+            <a:pPr marL="0" indent="0">
+              <a:buNone/>
+            </a:pPr>
+            <a:endParaRPr lang="fr-FR" altLang="en-US" sz="2400">
+              <a:latin typeface="Times New Roman" panose="02020603050405020304" charset="0"/>
+              <a:cs typeface="Times New Roman" panose="02020603050405020304" charset="0"/>
+            </a:endParaRPr>
+          </a:p>
+          <a:p>
+            <a:pPr marL="0" indent="0">
+              <a:buNone/>
+            </a:pPr>
+            <a:r>
+              <a:rPr lang="fr-FR" altLang="en-US" sz="2400">
+                <a:latin typeface="Times New Roman" panose="02020603050405020304" charset="0"/>
+                <a:cs typeface="Times New Roman" panose="02020603050405020304" charset="0"/>
+              </a:rPr>
+              <a:t>Environnemet de développement</a:t>
+            </a:r>
+            <a:endParaRPr lang="fr-FR" altLang="en-US" sz="2400">
+              <a:latin typeface="Times New Roman" panose="02020603050405020304" charset="0"/>
+              <a:cs typeface="Times New Roman" panose="02020603050405020304" charset="0"/>
+            </a:endParaRPr>
+          </a:p>
+          <a:p>
+            <a:pPr marL="0" indent="0">
+              <a:buNone/>
+            </a:pPr>
+            <a:endParaRPr lang="fr-FR" altLang="en-US" sz="2400">
+              <a:latin typeface="Times New Roman" panose="02020603050405020304" charset="0"/>
+              <a:cs typeface="Times New Roman" panose="02020603050405020304" charset="0"/>
+            </a:endParaRPr>
+          </a:p>
+          <a:p>
+            <a:pPr marL="0" indent="0">
+              <a:buNone/>
+            </a:pPr>
+            <a:r>
+              <a:rPr lang="fr-FR" altLang="en-US" sz="2400">
+                <a:latin typeface="Times New Roman" panose="02020603050405020304" charset="0"/>
+                <a:cs typeface="Times New Roman" panose="02020603050405020304" charset="0"/>
+              </a:rPr>
+              <a:t>		Visual Studio COde</a:t>
+            </a:r>
+            <a:endParaRPr lang="fr-FR" altLang="en-US" sz="2400">
+              <a:latin typeface="Times New Roman" panose="02020603050405020304" charset="0"/>
+              <a:cs typeface="Times New Roman" panose="02020603050405020304" charset="0"/>
+            </a:endParaRPr>
+          </a:p>
+          <a:p>
+            <a:pPr marL="0" indent="0">
+              <a:buNone/>
+            </a:pPr>
+            <a:r>
+              <a:rPr lang="fr-FR" altLang="en-US" sz="2400">
+                <a:latin typeface="Times New Roman" panose="02020603050405020304" charset="0"/>
+                <a:cs typeface="Times New Roman" panose="02020603050405020304" charset="0"/>
+              </a:rPr>
+              <a:t>Choix de sgbd:</a:t>
+            </a:r>
+            <a:endParaRPr lang="fr-FR" altLang="en-US" sz="2400">
+              <a:latin typeface="Times New Roman" panose="02020603050405020304" charset="0"/>
+              <a:cs typeface="Times New Roman" panose="02020603050405020304" charset="0"/>
+            </a:endParaRPr>
+          </a:p>
+          <a:p>
+            <a:pPr marL="0" indent="0">
+              <a:buNone/>
+            </a:pPr>
+            <a:endParaRPr lang="fr-FR" altLang="en-US" sz="2400">
+              <a:latin typeface="Times New Roman" panose="02020603050405020304" charset="0"/>
+              <a:cs typeface="Times New Roman" panose="02020603050405020304" charset="0"/>
+            </a:endParaRPr>
+          </a:p>
+        </p:txBody>
+      </p:sp>
+      <p:pic>
+        <p:nvPicPr>
+          <p:cNvPr id="4" name="Picture 3" descr="laravel"/>
+          <p:cNvPicPr>
+            <a:picLocks noChangeAspect="1"/>
+          </p:cNvPicPr>
+          <p:nvPr/>
+        </p:nvPicPr>
+        <p:blipFill>
+          <a:blip r:embed="rId1"/>
+          <a:stretch>
+            <a:fillRect/>
+          </a:stretch>
+        </p:blipFill>
         <p:spPr>
           <a:xfrm>
-            <a:off x="609600" y="1285875"/>
-            <a:ext cx="10972800" cy="4841875"/>
+            <a:off x="1193165" y="1570990"/>
+            <a:ext cx="1987550" cy="993775"/>
           </a:xfrm>
+          <a:prstGeom prst="rect">
+            <a:avLst/>
+          </a:prstGeom>
         </p:spPr>
-        <p:txBody>
-          <a:bodyPr/>
-          <a:p>
-            <a:pPr marL="0" indent="0">
-              <a:buNone/>
-            </a:pPr>
-            <a:endParaRPr lang="en-US"/>
-          </a:p>
-        </p:txBody>
-      </p:sp>
+      </p:pic>
+      <p:pic>
+        <p:nvPicPr>
+          <p:cNvPr id="5" name="Picture 4" descr="vscode"/>
+          <p:cNvPicPr>
+            <a:picLocks noChangeAspect="1"/>
+          </p:cNvPicPr>
+          <p:nvPr/>
+        </p:nvPicPr>
+        <p:blipFill>
+          <a:blip r:embed="rId2"/>
+          <a:stretch>
+            <a:fillRect/>
+          </a:stretch>
+        </p:blipFill>
+        <p:spPr>
+          <a:xfrm>
+            <a:off x="981075" y="2825115"/>
+            <a:ext cx="1023620" cy="1023620"/>
+          </a:xfrm>
+          <a:prstGeom prst="rect">
+            <a:avLst/>
+          </a:prstGeom>
+        </p:spPr>
+      </p:pic>
+      <p:pic>
+        <p:nvPicPr>
+          <p:cNvPr id="6" name="Picture 5" descr="mysql"/>
+          <p:cNvPicPr>
+            <a:picLocks noChangeAspect="1"/>
+          </p:cNvPicPr>
+          <p:nvPr/>
+        </p:nvPicPr>
+        <p:blipFill>
+          <a:blip r:embed="rId3"/>
+          <a:stretch>
+            <a:fillRect/>
+          </a:stretch>
+        </p:blipFill>
+        <p:spPr>
+          <a:xfrm>
+            <a:off x="829310" y="4325620"/>
+            <a:ext cx="2714625" cy="1133475"/>
+          </a:xfrm>
+          <a:prstGeom prst="rect">
+            <a:avLst/>
+          </a:prstGeom>
+        </p:spPr>
+      </p:pic>
     </p:spTree>
   </p:cSld>
   <p:clrMapOvr>
@@ -4533,154 +4689,6 @@
 </file>
 
 <file path=ppt/slides/slide11.xml><?xml version="1.0" encoding="utf-8"?>
-<p:sld xmlns:a="http://schemas.openxmlformats.org/drawingml/2006/main" xmlns:r="http://schemas.openxmlformats.org/officeDocument/2006/relationships" xmlns:p="http://schemas.openxmlformats.org/presentationml/2006/main">
-  <p:cSld>
-    <p:spTree>
-      <p:nvGrpSpPr>
-        <p:cNvPr id="1" name=""/>
-        <p:cNvGrpSpPr/>
-        <p:nvPr/>
-      </p:nvGrpSpPr>
-      <p:grpSpPr/>
-      <p:sp>
-        <p:nvSpPr>
-          <p:cNvPr id="2" name="Title 1"/>
-          <p:cNvSpPr>
-            <a:spLocks noGrp="1"/>
-          </p:cNvSpPr>
-          <p:nvPr>
-            <p:ph type="title"/>
-          </p:nvPr>
-        </p:nvSpPr>
-        <p:spPr/>
-        <p:txBody>
-          <a:bodyPr/>
-          <a:p>
-            <a:pPr algn="ctr"/>
-            <a:r>
-              <a:rPr lang="fr-FR" altLang="en-US">
-                <a:solidFill>
-                  <a:schemeClr val="tx1"/>
-                </a:solidFill>
-              </a:rPr>
-              <a:t>REALISATION DU PROJET</a:t>
-            </a:r>
-            <a:endParaRPr lang="fr-FR" altLang="en-US">
-              <a:solidFill>
-                <a:schemeClr val="tx1"/>
-              </a:solidFill>
-            </a:endParaRPr>
-          </a:p>
-        </p:txBody>
-      </p:sp>
-      <p:sp>
-        <p:nvSpPr>
-          <p:cNvPr id="3" name="Content Placeholder 2"/>
-          <p:cNvSpPr>
-            <a:spLocks noGrp="1"/>
-          </p:cNvSpPr>
-          <p:nvPr>
-            <p:ph idx="1"/>
-          </p:nvPr>
-        </p:nvSpPr>
-        <p:spPr/>
-        <p:txBody>
-          <a:bodyPr/>
-          <a:p>
-            <a:pPr marL="0" indent="0">
-              <a:buNone/>
-            </a:pPr>
-            <a:r>
-              <a:rPr lang="fr-FR" altLang="en-US" sz="2400">
-                <a:latin typeface="Times New Roman" panose="02020603050405020304" charset="0"/>
-                <a:cs typeface="Times New Roman" panose="02020603050405020304" charset="0"/>
-              </a:rPr>
-              <a:t>Framework utilisé:</a:t>
-            </a:r>
-            <a:endParaRPr lang="fr-FR" altLang="en-US" sz="2400">
-              <a:latin typeface="Times New Roman" panose="02020603050405020304" charset="0"/>
-              <a:cs typeface="Times New Roman" panose="02020603050405020304" charset="0"/>
-            </a:endParaRPr>
-          </a:p>
-          <a:p>
-            <a:pPr marL="0" indent="0">
-              <a:buNone/>
-            </a:pPr>
-            <a:endParaRPr lang="fr-FR" altLang="en-US" sz="2400">
-              <a:latin typeface="Times New Roman" panose="02020603050405020304" charset="0"/>
-              <a:cs typeface="Times New Roman" panose="02020603050405020304" charset="0"/>
-            </a:endParaRPr>
-          </a:p>
-          <a:p>
-            <a:pPr marL="0" indent="0">
-              <a:buNone/>
-            </a:pPr>
-            <a:endParaRPr lang="fr-FR" altLang="en-US" sz="2400">
-              <a:latin typeface="Times New Roman" panose="02020603050405020304" charset="0"/>
-              <a:cs typeface="Times New Roman" panose="02020603050405020304" charset="0"/>
-            </a:endParaRPr>
-          </a:p>
-          <a:p>
-            <a:pPr marL="0" indent="0">
-              <a:buNone/>
-            </a:pPr>
-            <a:r>
-              <a:rPr lang="fr-FR" altLang="en-US" sz="2400">
-                <a:latin typeface="Times New Roman" panose="02020603050405020304" charset="0"/>
-                <a:cs typeface="Times New Roman" panose="02020603050405020304" charset="0"/>
-              </a:rPr>
-              <a:t>Environnemet de développement</a:t>
-            </a:r>
-            <a:endParaRPr lang="fr-FR" altLang="en-US" sz="2400">
-              <a:latin typeface="Times New Roman" panose="02020603050405020304" charset="0"/>
-              <a:cs typeface="Times New Roman" panose="02020603050405020304" charset="0"/>
-            </a:endParaRPr>
-          </a:p>
-          <a:p>
-            <a:pPr marL="0" indent="0">
-              <a:buNone/>
-            </a:pPr>
-            <a:endParaRPr lang="fr-FR" altLang="en-US" sz="2400">
-              <a:latin typeface="Times New Roman" panose="02020603050405020304" charset="0"/>
-              <a:cs typeface="Times New Roman" panose="02020603050405020304" charset="0"/>
-            </a:endParaRPr>
-          </a:p>
-          <a:p>
-            <a:pPr marL="0" indent="0">
-              <a:buNone/>
-            </a:pPr>
-            <a:endParaRPr lang="fr-FR" altLang="en-US" sz="2400">
-              <a:latin typeface="Times New Roman" panose="02020603050405020304" charset="0"/>
-              <a:cs typeface="Times New Roman" panose="02020603050405020304" charset="0"/>
-            </a:endParaRPr>
-          </a:p>
-          <a:p>
-            <a:pPr marL="0" indent="0">
-              <a:buNone/>
-            </a:pPr>
-            <a:r>
-              <a:rPr lang="fr-FR" altLang="en-US" sz="2400">
-                <a:latin typeface="Times New Roman" panose="02020603050405020304" charset="0"/>
-                <a:cs typeface="Times New Roman" panose="02020603050405020304" charset="0"/>
-              </a:rPr>
-              <a:t>Choix de sgbd:</a:t>
-            </a:r>
-            <a:endParaRPr lang="fr-FR" altLang="en-US" sz="2400">
-              <a:latin typeface="Times New Roman" panose="02020603050405020304" charset="0"/>
-              <a:cs typeface="Times New Roman" panose="02020603050405020304" charset="0"/>
-            </a:endParaRPr>
-          </a:p>
-        </p:txBody>
-      </p:sp>
-    </p:spTree>
-  </p:cSld>
-  <p:clrMapOvr>
-    <a:masterClrMapping/>
-  </p:clrMapOvr>
-</p:sld>
-</file>
-
-<file path=ppt/slides/slide12.xml><?xml version="1.0" encoding="utf-8"?>
 <p:sld xmlns:a="http://schemas.openxmlformats.org/drawingml/2006/main" xmlns:r="http://schemas.openxmlformats.org/officeDocument/2006/relationships" xmlns:p="http://schemas.openxmlformats.org/presentationml/2006/main">
   <p:cSld>
     <p:spTree>
@@ -5511,7 +5519,7 @@
 </p:sld>
 </file>
 
-<file path=ppt/slides/slide13.xml><?xml version="1.0" encoding="utf-8"?>
+<file path=ppt/slides/slide12.xml><?xml version="1.0" encoding="utf-8"?>
 <p:sld xmlns:a="http://schemas.openxmlformats.org/drawingml/2006/main" xmlns:r="http://schemas.openxmlformats.org/officeDocument/2006/relationships" xmlns:p="http://schemas.openxmlformats.org/presentationml/2006/main">
   <p:cSld>
     <p:spTree>
@@ -5579,7 +5587,7 @@
 </p:sld>
 </file>
 
-<file path=ppt/slides/slide14.xml><?xml version="1.0" encoding="utf-8"?>
+<file path=ppt/slides/slide13.xml><?xml version="1.0" encoding="utf-8"?>
 <p:sld xmlns:a="http://schemas.openxmlformats.org/drawingml/2006/main" xmlns:r="http://schemas.openxmlformats.org/officeDocument/2006/relationships" xmlns:p="http://schemas.openxmlformats.org/presentationml/2006/main">
   <p:cSld>
     <p:spTree>
@@ -5861,88 +5869,86 @@
           </a:p>
         </p:txBody>
       </p:sp>
-      <p:sp>
-        <p:nvSpPr>
-          <p:cNvPr id="3" name="Content Placeholder 2"/>
-          <p:cNvSpPr>
-            <a:spLocks noGrp="1"/>
-          </p:cNvSpPr>
+      <p:pic>
+        <p:nvPicPr>
+          <p:cNvPr id="14" name="Espace réservé du contenu 4"/>
+          <p:cNvPicPr>
+            <a:picLocks noChangeAspect="1"/>
+          </p:cNvPicPr>
           <p:nvPr>
             <p:ph idx="1"/>
           </p:nvPr>
-        </p:nvSpPr>
-        <p:spPr/>
-        <p:txBody>
-          <a:bodyPr/>
-          <a:p>
-            <a:pPr marL="0" indent="0">
-              <a:buNone/>
-            </a:pPr>
-            <a:r>
-              <a:rPr lang="fr-FR" altLang="en-US" sz="2400">
-                <a:latin typeface="Times New Roman" panose="02020603050405020304" charset="0"/>
-                <a:cs typeface="Times New Roman" panose="02020603050405020304" charset="0"/>
-              </a:rPr>
-              <a:t>Pour terminer l’étude du fin de cycle de licence, chaque année,les étudiants  en 3ème année doit faire un stage de 3 mois ;Cela permet aux étudiants d’accroitre leurs compétences et d’apprendres des nouveaux compétences.</a:t>
-            </a:r>
-            <a:endParaRPr lang="fr-FR" altLang="en-US" sz="2400">
-              <a:latin typeface="Times New Roman" panose="02020603050405020304" charset="0"/>
-              <a:cs typeface="Times New Roman" panose="02020603050405020304" charset="0"/>
-            </a:endParaRPr>
-          </a:p>
-          <a:p>
-            <a:pPr marL="0" indent="0">
-              <a:buNone/>
-            </a:pPr>
-            <a:r>
-              <a:rPr lang="fr-FR" altLang="en-US" sz="2400">
-                <a:latin typeface="Times New Roman" panose="02020603050405020304" charset="0"/>
-                <a:cs typeface="Times New Roman" panose="02020603050405020304" charset="0"/>
-              </a:rPr>
-              <a:t>Cette année,le thème &lt;&lt;</a:t>
-            </a:r>
-            <a:r>
-              <a:rPr lang="fr-FR" altLang="en-US" sz="2400" b="1">
-                <a:solidFill>
-                  <a:schemeClr val="tx1"/>
-                </a:solidFill>
-                <a:latin typeface="Times New Roman" panose="02020603050405020304" charset="0"/>
-                <a:cs typeface="Times New Roman" panose="02020603050405020304" charset="0"/>
-                <a:sym typeface="+mn-ea"/>
-              </a:rPr>
-              <a:t>CONCEPTION ET REALISATION D’UNE APPLICATION DE GESTION ET SUIVI DU DOSSIER cas du MMRS AMPANDRIANOMBY&gt;&gt; a été choisi , </a:t>
-            </a:r>
-            <a:r>
-              <a:rPr lang="fr-FR" altLang="en-US" sz="2400">
-                <a:solidFill>
-                  <a:schemeClr val="tx1"/>
-                </a:solidFill>
-                <a:latin typeface="Times New Roman" panose="02020603050405020304" charset="0"/>
-                <a:cs typeface="Times New Roman" panose="02020603050405020304" charset="0"/>
-                <a:sym typeface="+mn-ea"/>
-              </a:rPr>
-              <a:t>pour faciliter la gestion des dossiers concernant l’exportation des pierres précieuses au niveau du ministère</a:t>
-            </a:r>
-            <a:endParaRPr lang="fr-FR" altLang="en-US" sz="2400">
-              <a:solidFill>
-                <a:schemeClr val="tx1"/>
-              </a:solidFill>
-              <a:latin typeface="Times New Roman" panose="02020603050405020304" charset="0"/>
-              <a:cs typeface="Times New Roman" panose="02020603050405020304" charset="0"/>
-              <a:sym typeface="+mn-ea"/>
-            </a:endParaRPr>
-          </a:p>
-          <a:p>
-            <a:pPr marL="0" indent="0">
-              <a:buNone/>
-            </a:pPr>
-            <a:endParaRPr lang="fr-FR" altLang="en-US" sz="2400">
-              <a:latin typeface="Times New Roman" panose="02020603050405020304" charset="0"/>
-              <a:cs typeface="Times New Roman" panose="02020603050405020304" charset="0"/>
-            </a:endParaRPr>
-          </a:p>
-        </p:txBody>
-      </p:sp>
+        </p:nvPicPr>
+        <p:blipFill>
+          <a:blip r:embed="rId1">
+            <a:extLst>
+              <a:ext uri="{28A0092B-C50C-407E-A947-70E740481C1C}">
+                <a14:useLocalDpi xmlns:a14="http://schemas.microsoft.com/office/drawing/2010/main" val="0"/>
+              </a:ext>
+            </a:extLst>
+          </a:blip>
+          <a:stretch>
+            <a:fillRect/>
+          </a:stretch>
+        </p:blipFill>
+        <p:spPr>
+          <a:xfrm>
+            <a:off x="1501140" y="1687195"/>
+            <a:ext cx="1962150" cy="1962150"/>
+          </a:xfrm>
+          <a:prstGeom prst="rect">
+            <a:avLst/>
+          </a:prstGeom>
+        </p:spPr>
+      </p:pic>
+      <p:pic>
+        <p:nvPicPr>
+          <p:cNvPr id="9" name="Picture 8" descr="mmrs"/>
+          <p:cNvPicPr>
+            <a:picLocks noChangeAspect="1"/>
+          </p:cNvPicPr>
+          <p:nvPr/>
+        </p:nvPicPr>
+        <p:blipFill>
+          <a:blip r:embed="rId2"/>
+          <a:stretch>
+            <a:fillRect/>
+          </a:stretch>
+        </p:blipFill>
+        <p:spPr>
+          <a:xfrm>
+            <a:off x="6890385" y="1756410"/>
+            <a:ext cx="1998345" cy="1694180"/>
+          </a:xfrm>
+          <a:prstGeom prst="rect">
+            <a:avLst/>
+          </a:prstGeom>
+        </p:spPr>
+      </p:pic>
+      <p:pic>
+        <p:nvPicPr>
+          <p:cNvPr id="4" name="Picture 3" descr="formulaire_con"/>
+          <p:cNvPicPr>
+            <a:picLocks noChangeAspect="1"/>
+          </p:cNvPicPr>
+          <p:nvPr/>
+        </p:nvPicPr>
+        <p:blipFill>
+          <a:blip r:embed="rId3"/>
+          <a:stretch>
+            <a:fillRect/>
+          </a:stretch>
+        </p:blipFill>
+        <p:spPr>
+          <a:xfrm>
+            <a:off x="3597910" y="3926205"/>
+            <a:ext cx="4183380" cy="2353945"/>
+          </a:xfrm>
+          <a:prstGeom prst="rect">
+            <a:avLst/>
+          </a:prstGeom>
+        </p:spPr>
+      </p:pic>
     </p:spTree>
   </p:cSld>
   <p:clrMapOvr>
@@ -7309,7 +7315,7 @@
                 <a:cs typeface="Times New Roman" panose="02020603050405020304" charset="0"/>
                 <a:sym typeface="+mn-ea"/>
               </a:rPr>
-              <a:t>) est un  langage de modélisation qui permet de modéliser les applications.</a:t>
+              <a:t>) est un  langage graphique de modélisation informatique.</a:t>
             </a:r>
             <a:endParaRPr lang="fr-FR" sz="2400" dirty="0">
               <a:solidFill>
@@ -7727,7 +7733,7 @@
                 <a:cs typeface="Times New Roman" panose="02020603050405020304" charset="0"/>
                 <a:sym typeface="+mn-ea"/>
               </a:rPr>
-              <a:t>On a suffisamment traité trois Diagramme </a:t>
+              <a:t>On a suffisamment traité duux Diagramme </a:t>
             </a:r>
             <a:endParaRPr lang="fr-FR" sz="2400" dirty="0">
               <a:solidFill>
@@ -7808,35 +7814,6 @@
               <a:latin typeface="Times New Roman" panose="02020603050405020304" charset="0"/>
               <a:ea typeface="Times New Roman" panose="02020603050405020304" charset="0"/>
               <a:cs typeface="Symbol" panose="05050102010706020507" pitchFamily="18" charset="2"/>
-            </a:endParaRPr>
-          </a:p>
-          <a:p>
-            <a:pPr marL="800100" lvl="1" indent="-342900" algn="just">
-              <a:spcAft>
-                <a:spcPts val="0"/>
-              </a:spcAft>
-              <a:buFont typeface="Symbol" panose="05050102010706020507" pitchFamily="18" charset="2"/>
-              <a:buChar char=""/>
-              <a:defRPr/>
-            </a:pPr>
-            <a:r>
-              <a:rPr lang="fr-FR" sz="2400" b="1" dirty="0">
-                <a:solidFill>
-                  <a:schemeClr val="tx1"/>
-                </a:solidFill>
-                <a:latin typeface="Times New Roman" panose="02020603050405020304" charset="0"/>
-                <a:ea typeface="Times New Roman" panose="02020603050405020304" charset="0"/>
-                <a:cs typeface="Symbol" panose="05050102010706020507" pitchFamily="18" charset="2"/>
-                <a:sym typeface="+mn-ea"/>
-              </a:rPr>
-              <a:t>Diagramme des classes. </a:t>
-            </a:r>
-            <a:endParaRPr lang="en-US" sz="2400" b="1" dirty="0">
-              <a:solidFill>
-                <a:schemeClr val="tx1"/>
-              </a:solidFill>
-              <a:latin typeface="Times New Roman" panose="02020603050405020304" charset="0"/>
-              <a:cs typeface="Times New Roman" panose="02020603050405020304" charset="0"/>
             </a:endParaRPr>
           </a:p>
           <a:p>
